--- a/figures/nucleases/nucleases.pptx
+++ b/figures/nucleases/nucleases.pptx
@@ -197,7 +197,7 @@
           <a:p>
             <a:fld id="{F1A348B4-9975-524C-BE6E-E74FD2A3F22C}" type="datetimeFigureOut">
               <a:rPr lang="en-US" smtClean="0"/>
-              <a:t>3/17/22</a:t>
+              <a:t>10/16/22</a:t>
             </a:fld>
             <a:endParaRPr lang="en-US"/>
           </a:p>
@@ -684,7 +684,7 @@
           <a:p>
             <a:fld id="{DD6D9246-4FED-8E4D-BC9B-CDD794F2A5B7}" type="datetimeFigureOut">
               <a:rPr lang="en-US" smtClean="0"/>
-              <a:t>3/17/22</a:t>
+              <a:t>10/16/22</a:t>
             </a:fld>
             <a:endParaRPr lang="en-US"/>
           </a:p>
@@ -854,7 +854,7 @@
           <a:p>
             <a:fld id="{DD6D9246-4FED-8E4D-BC9B-CDD794F2A5B7}" type="datetimeFigureOut">
               <a:rPr lang="en-US" smtClean="0"/>
-              <a:t>3/17/22</a:t>
+              <a:t>10/16/22</a:t>
             </a:fld>
             <a:endParaRPr lang="en-US"/>
           </a:p>
@@ -1034,7 +1034,7 @@
           <a:p>
             <a:fld id="{DD6D9246-4FED-8E4D-BC9B-CDD794F2A5B7}" type="datetimeFigureOut">
               <a:rPr lang="en-US" smtClean="0"/>
-              <a:t>3/17/22</a:t>
+              <a:t>10/16/22</a:t>
             </a:fld>
             <a:endParaRPr lang="en-US"/>
           </a:p>
@@ -1204,7 +1204,7 @@
           <a:p>
             <a:fld id="{DD6D9246-4FED-8E4D-BC9B-CDD794F2A5B7}" type="datetimeFigureOut">
               <a:rPr lang="en-US" smtClean="0"/>
-              <a:t>3/17/22</a:t>
+              <a:t>10/16/22</a:t>
             </a:fld>
             <a:endParaRPr lang="en-US"/>
           </a:p>
@@ -1450,7 +1450,7 @@
           <a:p>
             <a:fld id="{DD6D9246-4FED-8E4D-BC9B-CDD794F2A5B7}" type="datetimeFigureOut">
               <a:rPr lang="en-US" smtClean="0"/>
-              <a:t>3/17/22</a:t>
+              <a:t>10/16/22</a:t>
             </a:fld>
             <a:endParaRPr lang="en-US"/>
           </a:p>
@@ -1682,7 +1682,7 @@
           <a:p>
             <a:fld id="{DD6D9246-4FED-8E4D-BC9B-CDD794F2A5B7}" type="datetimeFigureOut">
               <a:rPr lang="en-US" smtClean="0"/>
-              <a:t>3/17/22</a:t>
+              <a:t>10/16/22</a:t>
             </a:fld>
             <a:endParaRPr lang="en-US"/>
           </a:p>
@@ -2049,7 +2049,7 @@
           <a:p>
             <a:fld id="{DD6D9246-4FED-8E4D-BC9B-CDD794F2A5B7}" type="datetimeFigureOut">
               <a:rPr lang="en-US" smtClean="0"/>
-              <a:t>3/17/22</a:t>
+              <a:t>10/16/22</a:t>
             </a:fld>
             <a:endParaRPr lang="en-US"/>
           </a:p>
@@ -2167,7 +2167,7 @@
           <a:p>
             <a:fld id="{DD6D9246-4FED-8E4D-BC9B-CDD794F2A5B7}" type="datetimeFigureOut">
               <a:rPr lang="en-US" smtClean="0"/>
-              <a:t>3/17/22</a:t>
+              <a:t>10/16/22</a:t>
             </a:fld>
             <a:endParaRPr lang="en-US"/>
           </a:p>
@@ -2262,7 +2262,7 @@
           <a:p>
             <a:fld id="{DD6D9246-4FED-8E4D-BC9B-CDD794F2A5B7}" type="datetimeFigureOut">
               <a:rPr lang="en-US" smtClean="0"/>
-              <a:t>3/17/22</a:t>
+              <a:t>10/16/22</a:t>
             </a:fld>
             <a:endParaRPr lang="en-US"/>
           </a:p>
@@ -2539,7 +2539,7 @@
           <a:p>
             <a:fld id="{DD6D9246-4FED-8E4D-BC9B-CDD794F2A5B7}" type="datetimeFigureOut">
               <a:rPr lang="en-US" smtClean="0"/>
-              <a:t>3/17/22</a:t>
+              <a:t>10/16/22</a:t>
             </a:fld>
             <a:endParaRPr lang="en-US"/>
           </a:p>
@@ -2796,7 +2796,7 @@
           <a:p>
             <a:fld id="{DD6D9246-4FED-8E4D-BC9B-CDD794F2A5B7}" type="datetimeFigureOut">
               <a:rPr lang="en-US" smtClean="0"/>
-              <a:t>3/17/22</a:t>
+              <a:t>10/16/22</a:t>
             </a:fld>
             <a:endParaRPr lang="en-US"/>
           </a:p>
@@ -3009,7 +3009,7 @@
           <a:p>
             <a:fld id="{DD6D9246-4FED-8E4D-BC9B-CDD794F2A5B7}" type="datetimeFigureOut">
               <a:rPr lang="en-US" smtClean="0"/>
-              <a:t>3/17/22</a:t>
+              <a:t>10/16/22</a:t>
             </a:fld>
             <a:endParaRPr lang="en-US"/>
           </a:p>
@@ -9723,9 +9723,7 @@
             <a:r>
               <a:rPr lang="en-US" sz="1700" dirty="0">
                 <a:solidFill>
-                  <a:schemeClr val="accent2">
-                    <a:lumMod val="75000"/>
-                  </a:schemeClr>
+                  <a:srgbClr val="FF0000"/>
                 </a:solidFill>
               </a:rPr>
               <a:t>PAM site</a:t>
